--- a/PPTs/C Sharp - Abstract Class.pptx
+++ b/PPTs/C Sharp - Abstract Class.pptx
@@ -12,6 +12,7 @@
     <p:sldId id="264" r:id="rId6"/>
     <p:sldId id="259" r:id="rId7"/>
     <p:sldId id="265" r:id="rId8"/>
+    <p:sldId id="266" r:id="rId9"/>
   </p:sldIdLst>
   <p:sldSz cx="12192000" cy="6858000"/>
   <p:notesSz cx="6858000" cy="9144000"/>
@@ -343,7 +344,7 @@
             <a:fld id="{5586B75A-687E-405C-8A0B-8D00578BA2C3}" type="datetimeFigureOut">
               <a:rPr lang="en-US" dirty="0"/>
               <a:pPr/>
-              <a:t>11/15/2018</a:t>
+              <a:t>11/16/2018</a:t>
             </a:fld>
             <a:endParaRPr lang="en-US" dirty="0"/>
           </a:p>
@@ -510,7 +511,7 @@
             <a:fld id="{5586B75A-687E-405C-8A0B-8D00578BA2C3}" type="datetimeFigureOut">
               <a:rPr lang="en-US" dirty="0"/>
               <a:pPr/>
-              <a:t>11/15/2018</a:t>
+              <a:t>11/16/2018</a:t>
             </a:fld>
             <a:endParaRPr lang="en-US" dirty="0"/>
           </a:p>
@@ -687,7 +688,7 @@
             <a:fld id="{5586B75A-687E-405C-8A0B-8D00578BA2C3}" type="datetimeFigureOut">
               <a:rPr lang="en-US" dirty="0"/>
               <a:pPr/>
-              <a:t>11/15/2018</a:t>
+              <a:t>11/16/2018</a:t>
             </a:fld>
             <a:endParaRPr lang="en-US" dirty="0"/>
           </a:p>
@@ -854,7 +855,7 @@
             <a:fld id="{5586B75A-687E-405C-8A0B-8D00578BA2C3}" type="datetimeFigureOut">
               <a:rPr lang="en-US" dirty="0"/>
               <a:pPr/>
-              <a:t>11/15/2018</a:t>
+              <a:t>11/16/2018</a:t>
             </a:fld>
             <a:endParaRPr lang="en-US" dirty="0"/>
           </a:p>
@@ -1109,7 +1110,7 @@
             <a:fld id="{5586B75A-687E-405C-8A0B-8D00578BA2C3}" type="datetimeFigureOut">
               <a:rPr lang="en-US" dirty="0"/>
               <a:pPr/>
-              <a:t>11/15/2018</a:t>
+              <a:t>11/16/2018</a:t>
             </a:fld>
             <a:endParaRPr lang="en-US" dirty="0"/>
           </a:p>
@@ -1394,7 +1395,7 @@
             <a:fld id="{5586B75A-687E-405C-8A0B-8D00578BA2C3}" type="datetimeFigureOut">
               <a:rPr lang="en-US" dirty="0"/>
               <a:pPr/>
-              <a:t>11/15/2018</a:t>
+              <a:t>11/16/2018</a:t>
             </a:fld>
             <a:endParaRPr lang="en-US" dirty="0"/>
           </a:p>
@@ -1833,7 +1834,7 @@
             <a:fld id="{5586B75A-687E-405C-8A0B-8D00578BA2C3}" type="datetimeFigureOut">
               <a:rPr lang="en-US" dirty="0"/>
               <a:pPr/>
-              <a:t>11/15/2018</a:t>
+              <a:t>11/16/2018</a:t>
             </a:fld>
             <a:endParaRPr lang="en-US" dirty="0"/>
           </a:p>
@@ -1948,7 +1949,7 @@
             <a:fld id="{5586B75A-687E-405C-8A0B-8D00578BA2C3}" type="datetimeFigureOut">
               <a:rPr lang="en-US" dirty="0"/>
               <a:pPr/>
-              <a:t>11/15/2018</a:t>
+              <a:t>11/16/2018</a:t>
             </a:fld>
             <a:endParaRPr lang="en-US" dirty="0"/>
           </a:p>
@@ -2040,7 +2041,7 @@
             <a:fld id="{5586B75A-687E-405C-8A0B-8D00578BA2C3}" type="datetimeFigureOut">
               <a:rPr lang="en-US" dirty="0"/>
               <a:pPr/>
-              <a:t>11/15/2018</a:t>
+              <a:t>11/16/2018</a:t>
             </a:fld>
             <a:endParaRPr lang="en-US" dirty="0"/>
           </a:p>
@@ -2325,7 +2326,7 @@
             <a:fld id="{5586B75A-687E-405C-8A0B-8D00578BA2C3}" type="datetimeFigureOut">
               <a:rPr lang="en-US" dirty="0"/>
               <a:pPr/>
-              <a:t>11/15/2018</a:t>
+              <a:t>11/16/2018</a:t>
             </a:fld>
             <a:endParaRPr lang="en-US" dirty="0"/>
           </a:p>
@@ -2595,7 +2596,7 @@
             <a:fld id="{5586B75A-687E-405C-8A0B-8D00578BA2C3}" type="datetimeFigureOut">
               <a:rPr lang="en-US" dirty="0"/>
               <a:pPr/>
-              <a:t>11/15/2018</a:t>
+              <a:t>11/16/2018</a:t>
             </a:fld>
             <a:endParaRPr lang="en-US" dirty="0"/>
           </a:p>
@@ -2889,7 +2890,7 @@
             <a:fld id="{5586B75A-687E-405C-8A0B-8D00578BA2C3}" type="datetimeFigureOut">
               <a:rPr lang="en-US" dirty="0"/>
               <a:pPr/>
-              <a:t>11/15/2018</a:t>
+              <a:t>11/16/2018</a:t>
             </a:fld>
             <a:endParaRPr lang="en-US" dirty="0"/>
           </a:p>
@@ -3392,10 +3393,6 @@
               <a:rPr lang="en-US" sz="5400" b="1" dirty="0" smtClean="0"/>
               <a:t>C Sharp -</a:t>
             </a:r>
-            <a:r>
-              <a:rPr lang="en-US" sz="5400" b="1" dirty="0" smtClean="0"/>
-              <a:t/>
-            </a:r>
             <a:br>
               <a:rPr lang="en-US" sz="5400" b="1" dirty="0" smtClean="0"/>
             </a:br>
@@ -3568,7 +3565,6 @@
               <a:rPr lang="en-US" dirty="0" smtClean="0"/>
               <a:t>What is Abstract Properties?</a:t>
             </a:r>
-            <a:endParaRPr lang="en-US" dirty="0" smtClean="0"/>
           </a:p>
           <a:p>
             <a:r>
@@ -3691,14 +3687,6 @@
               </a:rPr>
               <a:t>To define common members for subclasses</a:t>
             </a:r>
-            <a:endParaRPr lang="en-US" sz="2000" dirty="0">
-              <a:solidFill>
-                <a:schemeClr val="tx1">
-                  <a:lumMod val="65000"/>
-                  <a:lumOff val="35000"/>
-                </a:schemeClr>
-              </a:solidFill>
-            </a:endParaRPr>
           </a:p>
           <a:p>
             <a:pPr marL="182880" indent="-182880" defTabSz="914400">
@@ -3749,51 +3737,7 @@
                   </a:schemeClr>
                 </a:solidFill>
               </a:rPr>
-              <a:t>Purpose of abstract class </a:t>
-            </a:r>
-            <a:r>
-              <a:rPr lang="en-US" sz="2000" dirty="0">
-                <a:solidFill>
-                  <a:schemeClr val="tx1">
-                    <a:lumMod val="65000"/>
-                    <a:lumOff val="35000"/>
-                  </a:schemeClr>
-                </a:solidFill>
-              </a:rPr>
-              <a:t>is </a:t>
-            </a:r>
-            <a:r>
-              <a:rPr lang="en-US" sz="2000" dirty="0">
-                <a:solidFill>
-                  <a:schemeClr val="tx1">
-                    <a:lumMod val="65000"/>
-                    <a:lumOff val="35000"/>
-                  </a:schemeClr>
-                </a:solidFill>
-              </a:rPr>
-              <a:t>only </a:t>
-            </a:r>
-            <a:r>
-              <a:rPr lang="en-US" sz="2000" dirty="0">
-                <a:solidFill>
-                  <a:schemeClr val="tx1">
-                    <a:lumMod val="65000"/>
-                    <a:lumOff val="35000"/>
-                  </a:schemeClr>
-                </a:solidFill>
-              </a:rPr>
-              <a:t>to be a base class of other classes</a:t>
-            </a:r>
-            <a:r>
-              <a:rPr lang="en-US" sz="2000" dirty="0">
-                <a:solidFill>
-                  <a:schemeClr val="tx1">
-                    <a:lumMod val="65000"/>
-                    <a:lumOff val="35000"/>
-                  </a:schemeClr>
-                </a:solidFill>
-              </a:rPr>
-              <a:t>.</a:t>
+              <a:t>Purpose of abstract class is only to be a base class of other classes.</a:t>
             </a:r>
           </a:p>
           <a:p>
@@ -3975,14 +3919,6 @@
               </a:rPr>
               <a:t>Abstract Methods are allowed only in abstract class</a:t>
             </a:r>
-            <a:endParaRPr lang="en-US" sz="2000" dirty="0">
-              <a:solidFill>
-                <a:schemeClr val="tx1">
-                  <a:lumMod val="65000"/>
-                  <a:lumOff val="35000"/>
-                </a:schemeClr>
-              </a:solidFill>
-            </a:endParaRPr>
           </a:p>
           <a:p>
             <a:pPr marL="182880" indent="-182880" defTabSz="914400">
@@ -4220,14 +4156,6 @@
               </a:rPr>
               <a:t>Derived class can override abstract properties by using override keyword.</a:t>
             </a:r>
-            <a:endParaRPr lang="en-US" sz="2000" dirty="0">
-              <a:solidFill>
-                <a:schemeClr val="tx1">
-                  <a:lumMod val="65000"/>
-                  <a:lumOff val="35000"/>
-                </a:schemeClr>
-              </a:solidFill>
-            </a:endParaRPr>
           </a:p>
         </p:txBody>
       </p:sp>
@@ -5497,6 +5425,171 @@
     <p:extLst>
       <p:ext uri="{BB962C8B-B14F-4D97-AF65-F5344CB8AC3E}">
         <p14:creationId xmlns:p14="http://schemas.microsoft.com/office/powerpoint/2010/main" val="2786365921"/>
+      </p:ext>
+    </p:extLst>
+  </p:cSld>
+  <p:clrMapOvr>
+    <a:masterClrMapping/>
+  </p:clrMapOvr>
+  <p:timing>
+    <p:tnLst>
+      <p:par>
+        <p:cTn id="1" dur="indefinite" restart="never" nodeType="tmRoot"/>
+      </p:par>
+    </p:tnLst>
+  </p:timing>
+</p:sld>
+</file>
+
+<file path=ppt/slides/slide8.xml><?xml version="1.0" encoding="utf-8"?>
+<p:sld xmlns:a="http://schemas.openxmlformats.org/drawingml/2006/main" xmlns:r="http://schemas.openxmlformats.org/officeDocument/2006/relationships" xmlns:p="http://schemas.openxmlformats.org/presentationml/2006/main">
+  <p:cSld>
+    <p:spTree>
+      <p:nvGrpSpPr>
+        <p:cNvPr id="1" name=""/>
+        <p:cNvGrpSpPr/>
+        <p:nvPr/>
+      </p:nvGrpSpPr>
+      <p:grpSpPr>
+        <a:xfrm>
+          <a:off x="0" y="0"/>
+          <a:ext cx="0" cy="0"/>
+          <a:chOff x="0" y="0"/>
+          <a:chExt cx="0" cy="0"/>
+        </a:xfrm>
+      </p:grpSpPr>
+      <p:sp>
+        <p:nvSpPr>
+          <p:cNvPr id="2" name="Title 1"/>
+          <p:cNvSpPr>
+            <a:spLocks noGrp="1"/>
+          </p:cNvSpPr>
+          <p:nvPr>
+            <p:ph type="ctrTitle"/>
+          </p:nvPr>
+        </p:nvSpPr>
+        <p:spPr>
+          <a:xfrm>
+            <a:off x="894404" y="860567"/>
+            <a:ext cx="7726422" cy="3255264"/>
+          </a:xfrm>
+        </p:spPr>
+        <p:txBody>
+          <a:bodyPr>
+            <a:normAutofit/>
+          </a:bodyPr>
+          <a:lstStyle/>
+          <a:p>
+            <a:pPr algn="ctr"/>
+            <a:r>
+              <a:rPr lang="en-US" sz="2400" b="1" dirty="0" smtClean="0"/>
+              <a:t>Thanks for viewing </a:t>
+            </a:r>
+            <a:br>
+              <a:rPr lang="en-US" sz="2400" b="1" dirty="0" smtClean="0"/>
+            </a:br>
+            <a:r>
+              <a:rPr lang="en-US" sz="2400" b="1" dirty="0" smtClean="0"/>
+              <a:t/>
+            </a:r>
+            <a:br>
+              <a:rPr lang="en-US" sz="2400" b="1" dirty="0" smtClean="0"/>
+            </a:br>
+            <a:r>
+              <a:rPr lang="en-US" sz="2400" b="1" dirty="0" smtClean="0">
+                <a:hlinkClick r:id="rId2"/>
+              </a:rPr>
+              <a:t>Visit Learn C Share for Free Trainings, Tutorials, Videos</a:t>
+            </a:r>
+            <a:br>
+              <a:rPr lang="en-US" sz="2400" b="1" dirty="0" smtClean="0">
+                <a:hlinkClick r:id="rId2"/>
+              </a:rPr>
+            </a:br>
+            <a:r>
+              <a:rPr lang="en-US" sz="2400" b="1" dirty="0" smtClean="0"/>
+              <a:t/>
+            </a:r>
+            <a:br>
+              <a:rPr lang="en-US" sz="2400" b="1" dirty="0" smtClean="0"/>
+            </a:br>
+            <a:r>
+              <a:rPr lang="en-US" sz="2400" b="1" dirty="0" smtClean="0">
+                <a:hlinkClick r:id="rId2"/>
+              </a:rPr>
+              <a:t>Visit CourseIng for Online Training, Corporate Training and Class Room trainings.</a:t>
+            </a:r>
+            <a:br>
+              <a:rPr lang="en-US" sz="2400" b="1" dirty="0" smtClean="0">
+                <a:hlinkClick r:id="rId2"/>
+              </a:rPr>
+            </a:br>
+            <a:endParaRPr lang="en-US" sz="2800" b="1" dirty="0"/>
+          </a:p>
+        </p:txBody>
+      </p:sp>
+      <p:sp>
+        <p:nvSpPr>
+          <p:cNvPr id="3" name="Subtitle 2"/>
+          <p:cNvSpPr>
+            <a:spLocks noGrp="1"/>
+          </p:cNvSpPr>
+          <p:nvPr>
+            <p:ph type="subTitle" idx="1"/>
+          </p:nvPr>
+        </p:nvSpPr>
+        <p:spPr/>
+        <p:txBody>
+          <a:bodyPr/>
+          <a:lstStyle/>
+          <a:p>
+            <a:pPr algn="ctr"/>
+            <a:r>
+              <a:rPr lang="en-US" dirty="0" smtClean="0"/>
+              <a:t>Learn @ CourseIng</a:t>
+            </a:r>
+          </a:p>
+          <a:p>
+            <a:pPr algn="ctr"/>
+            <a:r>
+              <a:rPr lang="en-US" dirty="0">
+                <a:solidFill>
+                  <a:schemeClr val="tx1">
+                    <a:lumMod val="95000"/>
+                    <a:lumOff val="5000"/>
+                  </a:schemeClr>
+                </a:solidFill>
+                <a:hlinkClick r:id="rId2"/>
+              </a:rPr>
+              <a:t>http://www.courseing.com</a:t>
+            </a:r>
+            <a:r>
+              <a:rPr lang="en-US" dirty="0">
+                <a:solidFill>
+                  <a:schemeClr val="tx1">
+                    <a:lumMod val="95000"/>
+                    <a:lumOff val="5000"/>
+                  </a:schemeClr>
+                </a:solidFill>
+              </a:rPr>
+              <a:t> </a:t>
+            </a:r>
+            <a:r>
+              <a:rPr lang="en-US" dirty="0"/>
+              <a:t> | +91 - </a:t>
+            </a:r>
+            <a:r>
+              <a:rPr lang="en-US" dirty="0" smtClean="0"/>
+              <a:t>7207210101</a:t>
+            </a:r>
+            <a:endParaRPr lang="en-US" dirty="0"/>
+          </a:p>
+        </p:txBody>
+      </p:sp>
+    </p:spTree>
+    <p:extLst>
+      <p:ext uri="{BB962C8B-B14F-4D97-AF65-F5344CB8AC3E}">
+        <p14:creationId xmlns:p14="http://schemas.microsoft.com/office/powerpoint/2010/main" val="3906159361"/>
       </p:ext>
     </p:extLst>
   </p:cSld>

--- a/PPTs/C Sharp - Abstract Class.pptx
+++ b/PPTs/C Sharp - Abstract Class.pptx
@@ -5515,13 +5515,13 @@
             </a:br>
             <a:r>
               <a:rPr lang="en-US" sz="2400" b="1" dirty="0" smtClean="0">
-                <a:hlinkClick r:id="rId2"/>
+                <a:hlinkClick r:id="rId3"/>
               </a:rPr>
               <a:t>Visit CourseIng for Online Training, Corporate Training and Class Room trainings.</a:t>
             </a:r>
             <a:br>
               <a:rPr lang="en-US" sz="2400" b="1" dirty="0" smtClean="0">
-                <a:hlinkClick r:id="rId2"/>
+                <a:hlinkClick r:id="rId3"/>
               </a:rPr>
             </a:br>
             <a:endParaRPr lang="en-US" sz="2800" b="1" dirty="0"/>
@@ -5559,7 +5559,7 @@
                     <a:lumOff val="5000"/>
                   </a:schemeClr>
                 </a:solidFill>
-                <a:hlinkClick r:id="rId2"/>
+                <a:hlinkClick r:id="rId3"/>
               </a:rPr>
               <a:t>http://www.courseing.com</a:t>
             </a:r>
